--- a/Req_Spec/pictures/swppppt.pptx
+++ b/Req_Spec/pictures/swppppt.pptx
@@ -269,7 +269,7 @@
           <a:p>
             <a:fld id="{BED8343F-E634-6348-AB36-F2DDF2D3B258}" type="datetimeFigureOut">
               <a:rPr kumimoji="1" lang="ko-KR" altLang="en-US" smtClean="0"/>
-              <a:t>2019. 4. 14.</a:t>
+              <a:t>2019. 4. 23.</a:t>
             </a:fld>
             <a:endParaRPr kumimoji="1" lang="ko-KR" altLang="en-US"/>
           </a:p>
@@ -442,7 +442,7 @@
           <a:p>
             <a:fld id="{BED8343F-E634-6348-AB36-F2DDF2D3B258}" type="datetimeFigureOut">
               <a:rPr kumimoji="1" lang="ko-KR" altLang="en-US" smtClean="0"/>
-              <a:t>2019. 4. 14.</a:t>
+              <a:t>2019. 4. 23.</a:t>
             </a:fld>
             <a:endParaRPr kumimoji="1" lang="ko-KR" altLang="en-US"/>
           </a:p>
@@ -625,7 +625,7 @@
           <a:p>
             <a:fld id="{BED8343F-E634-6348-AB36-F2DDF2D3B258}" type="datetimeFigureOut">
               <a:rPr kumimoji="1" lang="ko-KR" altLang="en-US" smtClean="0"/>
-              <a:t>2019. 4. 14.</a:t>
+              <a:t>2019. 4. 23.</a:t>
             </a:fld>
             <a:endParaRPr kumimoji="1" lang="ko-KR" altLang="en-US"/>
           </a:p>
@@ -798,7 +798,7 @@
           <a:p>
             <a:fld id="{BED8343F-E634-6348-AB36-F2DDF2D3B258}" type="datetimeFigureOut">
               <a:rPr kumimoji="1" lang="ko-KR" altLang="en-US" smtClean="0"/>
-              <a:t>2019. 4. 14.</a:t>
+              <a:t>2019. 4. 23.</a:t>
             </a:fld>
             <a:endParaRPr kumimoji="1" lang="ko-KR" altLang="en-US"/>
           </a:p>
@@ -1076,7 +1076,7 @@
           <a:p>
             <a:fld id="{BED8343F-E634-6348-AB36-F2DDF2D3B258}" type="datetimeFigureOut">
               <a:rPr kumimoji="1" lang="ko-KR" altLang="en-US" smtClean="0"/>
-              <a:t>2019. 4. 14.</a:t>
+              <a:t>2019. 4. 23.</a:t>
             </a:fld>
             <a:endParaRPr kumimoji="1" lang="ko-KR" altLang="en-US"/>
           </a:p>
@@ -1291,7 +1291,7 @@
           <a:p>
             <a:fld id="{BED8343F-E634-6348-AB36-F2DDF2D3B258}" type="datetimeFigureOut">
               <a:rPr kumimoji="1" lang="ko-KR" altLang="en-US" smtClean="0"/>
-              <a:t>2019. 4. 14.</a:t>
+              <a:t>2019. 4. 23.</a:t>
             </a:fld>
             <a:endParaRPr kumimoji="1" lang="ko-KR" altLang="en-US"/>
           </a:p>
@@ -1659,7 +1659,7 @@
           <a:p>
             <a:fld id="{BED8343F-E634-6348-AB36-F2DDF2D3B258}" type="datetimeFigureOut">
               <a:rPr kumimoji="1" lang="ko-KR" altLang="en-US" smtClean="0"/>
-              <a:t>2019. 4. 14.</a:t>
+              <a:t>2019. 4. 23.</a:t>
             </a:fld>
             <a:endParaRPr kumimoji="1" lang="ko-KR" altLang="en-US"/>
           </a:p>
@@ -1800,7 +1800,7 @@
           <a:p>
             <a:fld id="{BED8343F-E634-6348-AB36-F2DDF2D3B258}" type="datetimeFigureOut">
               <a:rPr kumimoji="1" lang="ko-KR" altLang="en-US" smtClean="0"/>
-              <a:t>2019. 4. 14.</a:t>
+              <a:t>2019. 4. 23.</a:t>
             </a:fld>
             <a:endParaRPr kumimoji="1" lang="ko-KR" altLang="en-US"/>
           </a:p>
@@ -1913,7 +1913,7 @@
           <a:p>
             <a:fld id="{BED8343F-E634-6348-AB36-F2DDF2D3B258}" type="datetimeFigureOut">
               <a:rPr kumimoji="1" lang="ko-KR" altLang="en-US" smtClean="0"/>
-              <a:t>2019. 4. 14.</a:t>
+              <a:t>2019. 4. 23.</a:t>
             </a:fld>
             <a:endParaRPr kumimoji="1" lang="ko-KR" altLang="en-US"/>
           </a:p>
@@ -2202,7 +2202,7 @@
           <a:p>
             <a:fld id="{BED8343F-E634-6348-AB36-F2DDF2D3B258}" type="datetimeFigureOut">
               <a:rPr kumimoji="1" lang="ko-KR" altLang="en-US" smtClean="0"/>
-              <a:t>2019. 4. 14.</a:t>
+              <a:t>2019. 4. 23.</a:t>
             </a:fld>
             <a:endParaRPr kumimoji="1" lang="ko-KR" altLang="en-US"/>
           </a:p>
@@ -2493,7 +2493,7 @@
           <a:p>
             <a:fld id="{BED8343F-E634-6348-AB36-F2DDF2D3B258}" type="datetimeFigureOut">
               <a:rPr kumimoji="1" lang="ko-KR" altLang="en-US" smtClean="0"/>
-              <a:t>2019. 4. 14.</a:t>
+              <a:t>2019. 4. 23.</a:t>
             </a:fld>
             <a:endParaRPr kumimoji="1" lang="ko-KR" altLang="en-US"/>
           </a:p>
@@ -2709,7 +2709,7 @@
           <a:p>
             <a:fld id="{BED8343F-E634-6348-AB36-F2DDF2D3B258}" type="datetimeFigureOut">
               <a:rPr kumimoji="1" lang="ko-KR" altLang="en-US" smtClean="0"/>
-              <a:t>2019. 4. 14.</a:t>
+              <a:t>2019. 4. 23.</a:t>
             </a:fld>
             <a:endParaRPr kumimoji="1" lang="ko-KR" altLang="en-US"/>
           </a:p>
@@ -7940,8 +7940,8 @@
         </p:blipFill>
         <p:spPr>
           <a:xfrm>
-            <a:off x="389308" y="1966066"/>
-            <a:ext cx="2190176" cy="1722760"/>
+            <a:off x="745203" y="1966066"/>
+            <a:ext cx="1724354" cy="1722760"/>
           </a:xfrm>
           <a:prstGeom prst="rect">
             <a:avLst/>
@@ -8052,13 +8052,14 @@
           </p:cNvPr>
           <p:cNvCxnSpPr>
             <a:cxnSpLocks/>
+            <a:endCxn id="139" idx="3"/>
           </p:cNvCxnSpPr>
           <p:nvPr/>
         </p:nvCxnSpPr>
         <p:spPr>
           <a:xfrm flipH="1" flipV="1">
-            <a:off x="2547257" y="3195108"/>
-            <a:ext cx="1824551" cy="1042334"/>
+            <a:off x="2469557" y="2827446"/>
+            <a:ext cx="1902254" cy="1409996"/>
           </a:xfrm>
           <a:prstGeom prst="straightConnector1">
             <a:avLst/>
@@ -8579,6 +8580,36 @@
           </a:fontRef>
         </p:style>
       </p:cxnSp>
+      <p:pic>
+        <p:nvPicPr>
+          <p:cNvPr id="6" name="그림 5">
+            <a:extLst>
+              <a:ext uri="{FF2B5EF4-FFF2-40B4-BE49-F238E27FC236}">
+                <a16:creationId xmlns:a16="http://schemas.microsoft.com/office/drawing/2014/main" id="{8FA2E8A0-BED9-F643-8C02-94302C6BA4F3}"/>
+              </a:ext>
+            </a:extLst>
+          </p:cNvPr>
+          <p:cNvPicPr>
+            <a:picLocks/>
+          </p:cNvPicPr>
+          <p:nvPr/>
+        </p:nvPicPr>
+        <p:blipFill>
+          <a:blip r:embed="rId12"/>
+          <a:stretch>
+            <a:fillRect/>
+          </a:stretch>
+        </p:blipFill>
+        <p:spPr>
+          <a:xfrm>
+            <a:off x="368342" y="2000011"/>
+            <a:ext cx="413999" cy="1655999"/>
+          </a:xfrm>
+          <a:prstGeom prst="rect">
+            <a:avLst/>
+          </a:prstGeom>
+        </p:spPr>
+      </p:pic>
     </p:spTree>
     <p:extLst>
       <p:ext uri="{BB962C8B-B14F-4D97-AF65-F5344CB8AC3E}">
@@ -14874,6 +14905,270 @@
               <a:t>Create</a:t>
             </a:r>
             <a:endParaRPr kumimoji="1" lang="ko-KR" altLang="en-US" dirty="0">
+              <a:solidFill>
+                <a:schemeClr val="tx1"/>
+              </a:solidFill>
+            </a:endParaRPr>
+          </a:p>
+        </p:txBody>
+      </p:sp>
+      <p:sp>
+        <p:nvSpPr>
+          <p:cNvPr id="10" name="직사각형 9">
+            <a:extLst>
+              <a:ext uri="{FF2B5EF4-FFF2-40B4-BE49-F238E27FC236}">
+                <a16:creationId xmlns:a16="http://schemas.microsoft.com/office/drawing/2014/main" id="{D1F6B916-A93C-524A-AC3D-8553D4152B93}"/>
+              </a:ext>
+            </a:extLst>
+          </p:cNvPr>
+          <p:cNvSpPr/>
+          <p:nvPr/>
+        </p:nvSpPr>
+        <p:spPr>
+          <a:xfrm>
+            <a:off x="633984" y="847984"/>
+            <a:ext cx="1071316" cy="5205576"/>
+          </a:xfrm>
+          <a:prstGeom prst="rect">
+            <a:avLst/>
+          </a:prstGeom>
+          <a:solidFill>
+            <a:schemeClr val="accent4">
+              <a:lumMod val="20000"/>
+              <a:lumOff val="80000"/>
+            </a:schemeClr>
+          </a:solidFill>
+        </p:spPr>
+        <p:style>
+          <a:lnRef idx="2">
+            <a:schemeClr val="accent1">
+              <a:shade val="50000"/>
+            </a:schemeClr>
+          </a:lnRef>
+          <a:fillRef idx="1">
+            <a:schemeClr val="accent1"/>
+          </a:fillRef>
+          <a:effectRef idx="0">
+            <a:schemeClr val="accent1"/>
+          </a:effectRef>
+          <a:fontRef idx="minor">
+            <a:schemeClr val="lt1"/>
+          </a:fontRef>
+        </p:style>
+        <p:txBody>
+          <a:bodyPr rtlCol="0" anchor="ctr"/>
+          <a:lstStyle/>
+          <a:p>
+            <a:pPr algn="ctr"/>
+            <a:endParaRPr kumimoji="1" lang="ko-KR" altLang="en-US"/>
+          </a:p>
+        </p:txBody>
+      </p:sp>
+      <p:sp>
+        <p:nvSpPr>
+          <p:cNvPr id="11" name="직사각형 10">
+            <a:extLst>
+              <a:ext uri="{FF2B5EF4-FFF2-40B4-BE49-F238E27FC236}">
+                <a16:creationId xmlns:a16="http://schemas.microsoft.com/office/drawing/2014/main" id="{844225C1-29CB-344F-8AB6-F891128ADABD}"/>
+              </a:ext>
+            </a:extLst>
+          </p:cNvPr>
+          <p:cNvSpPr/>
+          <p:nvPr/>
+        </p:nvSpPr>
+        <p:spPr>
+          <a:xfrm>
+            <a:off x="696243" y="931064"/>
+            <a:ext cx="946800" cy="465894"/>
+          </a:xfrm>
+          <a:prstGeom prst="rect">
+            <a:avLst/>
+          </a:prstGeom>
+          <a:solidFill>
+            <a:schemeClr val="accent3">
+              <a:lumMod val="20000"/>
+              <a:lumOff val="80000"/>
+            </a:schemeClr>
+          </a:solidFill>
+          <a:ln>
+            <a:prstDash val="dash"/>
+          </a:ln>
+        </p:spPr>
+        <p:style>
+          <a:lnRef idx="2">
+            <a:schemeClr val="accent1">
+              <a:shade val="50000"/>
+            </a:schemeClr>
+          </a:lnRef>
+          <a:fillRef idx="1">
+            <a:schemeClr val="accent1"/>
+          </a:fillRef>
+          <a:effectRef idx="0">
+            <a:schemeClr val="accent1"/>
+          </a:effectRef>
+          <a:fontRef idx="minor">
+            <a:schemeClr val="lt1"/>
+          </a:fontRef>
+        </p:style>
+        <p:txBody>
+          <a:bodyPr rtlCol="0" anchor="ctr"/>
+          <a:lstStyle/>
+          <a:p>
+            <a:pPr algn="ctr"/>
+            <a:r>
+              <a:rPr kumimoji="1" lang="en-US" altLang="ko-KR" sz="1200" dirty="0">
+                <a:solidFill>
+                  <a:schemeClr val="tx1"/>
+                </a:solidFill>
+              </a:rPr>
+              <a:t>Name</a:t>
+            </a:r>
+            <a:endParaRPr kumimoji="1" lang="ko-KR" altLang="en-US" sz="1200" dirty="0">
+              <a:solidFill>
+                <a:schemeClr val="tx1"/>
+              </a:solidFill>
+            </a:endParaRPr>
+          </a:p>
+        </p:txBody>
+      </p:sp>
+      <p:sp>
+        <p:nvSpPr>
+          <p:cNvPr id="12" name="직사각형 11">
+            <a:extLst>
+              <a:ext uri="{FF2B5EF4-FFF2-40B4-BE49-F238E27FC236}">
+                <a16:creationId xmlns:a16="http://schemas.microsoft.com/office/drawing/2014/main" id="{0F4BED57-A4F3-294B-A07F-DE038F0F7471}"/>
+              </a:ext>
+            </a:extLst>
+          </p:cNvPr>
+          <p:cNvSpPr/>
+          <p:nvPr/>
+        </p:nvSpPr>
+        <p:spPr>
+          <a:xfrm>
+            <a:off x="696223" y="1558971"/>
+            <a:ext cx="946800" cy="465894"/>
+          </a:xfrm>
+          <a:prstGeom prst="rect">
+            <a:avLst/>
+          </a:prstGeom>
+          <a:solidFill>
+            <a:schemeClr val="accent3">
+              <a:lumMod val="20000"/>
+              <a:lumOff val="80000"/>
+            </a:schemeClr>
+          </a:solidFill>
+          <a:ln>
+            <a:prstDash val="dash"/>
+          </a:ln>
+        </p:spPr>
+        <p:style>
+          <a:lnRef idx="2">
+            <a:schemeClr val="accent1">
+              <a:shade val="50000"/>
+            </a:schemeClr>
+          </a:lnRef>
+          <a:fillRef idx="1">
+            <a:schemeClr val="accent1"/>
+          </a:fillRef>
+          <a:effectRef idx="0">
+            <a:schemeClr val="accent1"/>
+          </a:effectRef>
+          <a:fontRef idx="minor">
+            <a:schemeClr val="lt1"/>
+          </a:fontRef>
+        </p:style>
+        <p:txBody>
+          <a:bodyPr rtlCol="0" anchor="ctr"/>
+          <a:lstStyle/>
+          <a:p>
+            <a:pPr algn="ctr"/>
+            <a:r>
+              <a:rPr kumimoji="1" lang="en-US" altLang="ko-KR" sz="1200" dirty="0">
+                <a:solidFill>
+                  <a:schemeClr val="tx1"/>
+                </a:solidFill>
+              </a:rPr>
+              <a:t>Course</a:t>
+            </a:r>
+          </a:p>
+          <a:p>
+            <a:pPr algn="ctr"/>
+            <a:r>
+              <a:rPr kumimoji="1" lang="en-US" altLang="ko-KR" sz="1200" dirty="0" err="1">
+                <a:solidFill>
+                  <a:schemeClr val="tx1"/>
+                </a:solidFill>
+              </a:rPr>
+              <a:t>CourseID</a:t>
+            </a:r>
+            <a:endParaRPr kumimoji="1" lang="ko-KR" altLang="en-US" sz="1200" dirty="0">
+              <a:solidFill>
+                <a:schemeClr val="tx1"/>
+              </a:solidFill>
+            </a:endParaRPr>
+          </a:p>
+        </p:txBody>
+      </p:sp>
+      <p:sp>
+        <p:nvSpPr>
+          <p:cNvPr id="13" name="직사각형 12">
+            <a:extLst>
+              <a:ext uri="{FF2B5EF4-FFF2-40B4-BE49-F238E27FC236}">
+                <a16:creationId xmlns:a16="http://schemas.microsoft.com/office/drawing/2014/main" id="{A938E7D0-046E-6447-AEB2-725E0B93BEDA}"/>
+              </a:ext>
+            </a:extLst>
+          </p:cNvPr>
+          <p:cNvSpPr/>
+          <p:nvPr/>
+        </p:nvSpPr>
+        <p:spPr>
+          <a:xfrm>
+            <a:off x="696223" y="2173889"/>
+            <a:ext cx="946800" cy="465894"/>
+          </a:xfrm>
+          <a:prstGeom prst="rect">
+            <a:avLst/>
+          </a:prstGeom>
+          <a:solidFill>
+            <a:schemeClr val="accent3">
+              <a:lumMod val="20000"/>
+              <a:lumOff val="80000"/>
+            </a:schemeClr>
+          </a:solidFill>
+          <a:ln>
+            <a:prstDash val="dash"/>
+          </a:ln>
+        </p:spPr>
+        <p:style>
+          <a:lnRef idx="2">
+            <a:schemeClr val="accent1">
+              <a:shade val="50000"/>
+            </a:schemeClr>
+          </a:lnRef>
+          <a:fillRef idx="1">
+            <a:schemeClr val="accent1"/>
+          </a:fillRef>
+          <a:effectRef idx="0">
+            <a:schemeClr val="accent1"/>
+          </a:effectRef>
+          <a:fontRef idx="minor">
+            <a:schemeClr val="lt1"/>
+          </a:fontRef>
+        </p:style>
+        <p:txBody>
+          <a:bodyPr rtlCol="0" anchor="ctr"/>
+          <a:lstStyle/>
+          <a:p>
+            <a:pPr algn="ctr"/>
+            <a:r>
+              <a:rPr kumimoji="1" lang="en-US" altLang="ko-KR" sz="1200" dirty="0">
+                <a:solidFill>
+                  <a:schemeClr val="tx1"/>
+                </a:solidFill>
+              </a:rPr>
+              <a:t>Manage</a:t>
+            </a:r>
+            <a:endParaRPr kumimoji="1" lang="ko-KR" altLang="en-US" sz="1200" dirty="0">
               <a:solidFill>
                 <a:schemeClr val="tx1"/>
               </a:solidFill>
